--- a/(02-2) GitHub.pptx
+++ b/(02-2) GitHub.pptx
@@ -3016,9 +3016,14 @@
               <a:buNone/>
             </a:pPr>
             <a:r>
-              <a:rPr lang="en-US" altLang="ko-KR" sz="2400" b="0" dirty="0"/>
+              <a:rPr lang="en-US" altLang="ko-KR" sz="2400" b="0" smtClean="0"/>
               <a:t>2022</a:t>
             </a:r>
+            <a:r>
+              <a:rPr lang="en-US" altLang="ko-KR" sz="2400" b="0" smtClean="0"/>
+              <a:t>-2</a:t>
+            </a:r>
+            <a:endParaRPr lang="en-US" altLang="ko-KR" sz="2400" b="0" dirty="0"/>
           </a:p>
         </p:txBody>
       </p:sp>
@@ -3919,13 +3924,6 @@
               </a:rPr>
               <a:t>2 ways to create a repository</a:t>
             </a:r>
-            <a:endParaRPr lang="en-US" altLang="ko-KR" sz="1800" dirty="0" smtClean="0">
-              <a:solidFill>
-                <a:schemeClr val="tx2"/>
-              </a:solidFill>
-              <a:latin typeface="맑은 고딕" pitchFamily="50" charset="-127"/>
-              <a:ea typeface="맑은 고딕" pitchFamily="50" charset="-127"/>
-            </a:endParaRPr>
           </a:p>
         </p:txBody>
       </p:sp>
@@ -4361,25 +4359,8 @@
                 <a:latin typeface="맑은 고딕" pitchFamily="50" charset="-127"/>
                 <a:ea typeface="맑은 고딕" pitchFamily="50" charset="-127"/>
               </a:rPr>
-              <a:t>Create a </a:t>
-            </a:r>
-            <a:r>
-              <a:rPr lang="en-US" altLang="ko-KR" sz="1800" dirty="0" smtClean="0">
-                <a:solidFill>
-                  <a:schemeClr val="tx2"/>
-                </a:solidFill>
-                <a:latin typeface="맑은 고딕" pitchFamily="50" charset="-127"/>
-                <a:ea typeface="맑은 고딕" pitchFamily="50" charset="-127"/>
-              </a:rPr>
-              <a:t>repository and clone it to the local hard drive</a:t>
-            </a:r>
-            <a:endParaRPr lang="en-US" altLang="ko-KR" sz="1800" dirty="0" smtClean="0">
-              <a:solidFill>
-                <a:schemeClr val="tx2"/>
-              </a:solidFill>
-              <a:latin typeface="맑은 고딕" pitchFamily="50" charset="-127"/>
-              <a:ea typeface="맑은 고딕" pitchFamily="50" charset="-127"/>
-            </a:endParaRPr>
+              <a:t>Create a repository and clone it to the local hard drive</a:t>
+            </a:r>
           </a:p>
         </p:txBody>
       </p:sp>
@@ -4595,25 +4576,8 @@
                 <a:latin typeface="맑은 고딕" pitchFamily="50" charset="-127"/>
                 <a:ea typeface="맑은 고딕" pitchFamily="50" charset="-127"/>
               </a:rPr>
-              <a:t>Create a local </a:t>
-            </a:r>
-            <a:r>
-              <a:rPr lang="en-US" altLang="ko-KR" sz="1800" dirty="0" smtClean="0">
-                <a:solidFill>
-                  <a:schemeClr val="tx2"/>
-                </a:solidFill>
-                <a:latin typeface="맑은 고딕" pitchFamily="50" charset="-127"/>
-                <a:ea typeface="맑은 고딕" pitchFamily="50" charset="-127"/>
-              </a:rPr>
-              <a:t>repository and publish it to the GitHub</a:t>
-            </a:r>
-            <a:endParaRPr lang="en-US" altLang="ko-KR" sz="1800" dirty="0" smtClean="0">
-              <a:solidFill>
-                <a:schemeClr val="tx2"/>
-              </a:solidFill>
-              <a:latin typeface="맑은 고딕" pitchFamily="50" charset="-127"/>
-              <a:ea typeface="맑은 고딕" pitchFamily="50" charset="-127"/>
-            </a:endParaRPr>
+              <a:t>Create a local repository and publish it to the GitHub</a:t>
+            </a:r>
           </a:p>
         </p:txBody>
       </p:sp>
@@ -8485,27 +8449,7 @@
                 <a:latin typeface="맑은 고딕" pitchFamily="50" charset="-127"/>
                 <a:ea typeface="맑은 고딕" pitchFamily="50" charset="-127"/>
               </a:rPr>
-              <a:t>u</a:t>
-            </a:r>
-            <a:r>
-              <a:rPr lang="en-US" altLang="ko-KR" sz="1800" dirty="0" smtClean="0">
-                <a:solidFill>
-                  <a:schemeClr val="tx2"/>
-                </a:solidFill>
-                <a:latin typeface="맑은 고딕" pitchFamily="50" charset="-127"/>
-                <a:ea typeface="맑은 고딕" pitchFamily="50" charset="-127"/>
-              </a:rPr>
-              <a:t>n</a:t>
-            </a:r>
-            <a:r>
-              <a:rPr lang="en-US" altLang="ko-KR" sz="1800" dirty="0" smtClean="0">
-                <a:solidFill>
-                  <a:schemeClr val="tx2"/>
-                </a:solidFill>
-                <a:latin typeface="맑은 고딕" pitchFamily="50" charset="-127"/>
-                <a:ea typeface="맑은 고딕" pitchFamily="50" charset="-127"/>
-              </a:rPr>
-              <a:t>der </a:t>
+              <a:t>under </a:t>
             </a:r>
             <a:r>
               <a:rPr lang="en-US" altLang="ko-KR" sz="1800" dirty="0">
